--- a/part1/Figures/collections/inside-linkedlist.pptx
+++ b/part1/Figures/collections/inside-linkedlist.pptx
@@ -222,7 +222,7 @@
           <a:p>
             <a:fld id="{63399E6A-A389-3547-948A-FA1167BEF3D4}" type="datetimeFigureOut">
               <a:rPr lang="en-US" smtClean="0"/>
-              <a:t>7/6/12</a:t>
+              <a:t>6/15/13</a:t>
             </a:fld>
             <a:endParaRPr lang="en-US" dirty="0"/>
           </a:p>
@@ -765,7 +765,7 @@
               <a:pPr>
                 <a:defRPr/>
               </a:pPr>
-              <a:t>7/6/12</a:t>
+              <a:t>6/15/13</a:t>
             </a:fld>
             <a:endParaRPr lang="en-US" dirty="0"/>
           </a:p>
@@ -957,7 +957,7 @@
               <a:pPr>
                 <a:defRPr/>
               </a:pPr>
-              <a:t>7/6/12</a:t>
+              <a:t>6/15/13</a:t>
             </a:fld>
             <a:endParaRPr lang="en-US" dirty="0"/>
           </a:p>
@@ -1159,7 +1159,7 @@
               <a:pPr>
                 <a:defRPr/>
               </a:pPr>
-              <a:t>7/6/12</a:t>
+              <a:t>6/15/13</a:t>
             </a:fld>
             <a:endParaRPr lang="en-US" dirty="0"/>
           </a:p>
@@ -1351,7 +1351,7 @@
               <a:pPr>
                 <a:defRPr/>
               </a:pPr>
-              <a:t>7/6/12</a:t>
+              <a:t>6/15/13</a:t>
             </a:fld>
             <a:endParaRPr lang="en-US" dirty="0"/>
           </a:p>
@@ -1619,7 +1619,7 @@
               <a:pPr>
                 <a:defRPr/>
               </a:pPr>
-              <a:t>7/6/12</a:t>
+              <a:t>6/15/13</a:t>
             </a:fld>
             <a:endParaRPr lang="en-US" dirty="0"/>
           </a:p>
@@ -1929,7 +1929,7 @@
               <a:pPr>
                 <a:defRPr/>
               </a:pPr>
-              <a:t>7/6/12</a:t>
+              <a:t>6/15/13</a:t>
             </a:fld>
             <a:endParaRPr lang="en-US" dirty="0"/>
           </a:p>
@@ -2373,7 +2373,7 @@
               <a:pPr>
                 <a:defRPr/>
               </a:pPr>
-              <a:t>7/6/12</a:t>
+              <a:t>6/15/13</a:t>
             </a:fld>
             <a:endParaRPr lang="en-US" dirty="0"/>
           </a:p>
@@ -2513,7 +2513,7 @@
               <a:pPr>
                 <a:defRPr/>
               </a:pPr>
-              <a:t>7/6/12</a:t>
+              <a:t>6/15/13</a:t>
             </a:fld>
             <a:endParaRPr lang="en-US" dirty="0"/>
           </a:p>
@@ -2630,7 +2630,7 @@
               <a:pPr>
                 <a:defRPr/>
               </a:pPr>
-              <a:t>7/6/12</a:t>
+              <a:t>6/15/13</a:t>
             </a:fld>
             <a:endParaRPr lang="en-US" dirty="0"/>
           </a:p>
@@ -2929,7 +2929,7 @@
               <a:pPr>
                 <a:defRPr/>
               </a:pPr>
-              <a:t>7/6/12</a:t>
+              <a:t>6/15/13</a:t>
             </a:fld>
             <a:endParaRPr lang="en-US" dirty="0"/>
           </a:p>
@@ -3207,7 +3207,7 @@
               <a:pPr>
                 <a:defRPr/>
               </a:pPr>
-              <a:t>7/6/12</a:t>
+              <a:t>6/15/13</a:t>
             </a:fld>
             <a:endParaRPr lang="en-US" dirty="0"/>
           </a:p>
@@ -3463,7 +3463,7 @@
               <a:pPr>
                 <a:defRPr/>
               </a:pPr>
-              <a:t>7/6/12</a:t>
+              <a:t>6/15/13</a:t>
             </a:fld>
             <a:endParaRPr lang="en-US" dirty="0"/>
           </a:p>
@@ -4242,7 +4242,7 @@
         <p:spPr bwMode="auto">
           <a:xfrm>
             <a:off x="741256" y="1447800"/>
-            <a:ext cx="1727907" cy="369332"/>
+            <a:ext cx="1672253" cy="369332"/>
           </a:xfrm>
           <a:prstGeom prst="rect">
             <a:avLst/>
@@ -4262,10 +4262,10 @@
           <a:lstStyle/>
           <a:p>
             <a:r>
-              <a:rPr lang="en-US" dirty="0" smtClean="0">
+              <a:rPr lang="en-US" dirty="0" err="1" smtClean="0">
                 <a:latin typeface="Calibri" pitchFamily="34" charset="0"/>
               </a:rPr>
-              <a:t>LinkedList$Entry</a:t>
+              <a:t>LinkedList.Entry</a:t>
             </a:r>
             <a:endParaRPr lang="en-US" dirty="0">
               <a:latin typeface="Calibri" pitchFamily="34" charset="0"/>
@@ -4313,13 +4313,7 @@
               <a:rPr lang="en-US" i="1" dirty="0" smtClean="0">
                 <a:latin typeface="Calibri" pitchFamily="34" charset="0"/>
               </a:rPr>
-              <a:t>rapper: </a:t>
-            </a:r>
-            <a:r>
-              <a:rPr lang="en-US" i="1" dirty="0" smtClean="0">
-                <a:latin typeface="Calibri" pitchFamily="34" charset="0"/>
-              </a:rPr>
-              <a:t>24 </a:t>
+              <a:t>rapper: 24 </a:t>
             </a:r>
             <a:r>
               <a:rPr lang="en-US" i="1" dirty="0">
@@ -4364,13 +4358,7 @@
               <a:rPr lang="en-US" i="1" dirty="0" smtClean="0">
                 <a:latin typeface="Calibri" pitchFamily="34" charset="0"/>
               </a:rPr>
-              <a:t>Sentinel</a:t>
-            </a:r>
-            <a:r>
-              <a:rPr lang="en-US" i="1" dirty="0" smtClean="0">
-                <a:latin typeface="Calibri" pitchFamily="34" charset="0"/>
-              </a:rPr>
-              <a:t>: 24 </a:t>
+              <a:t>Sentinel: 24 </a:t>
             </a:r>
             <a:r>
               <a:rPr lang="en-US" i="1" dirty="0">
@@ -4501,7 +4489,7 @@
           <p:spPr bwMode="auto">
             <a:xfrm>
               <a:off x="2487323" y="3349544"/>
-              <a:ext cx="1727907" cy="369332"/>
+              <a:ext cx="1672253" cy="369332"/>
             </a:xfrm>
             <a:prstGeom prst="rect">
               <a:avLst/>
@@ -4524,19 +4512,7 @@
                 <a:rPr lang="en-US" noProof="1" smtClean="0">
                   <a:latin typeface="Calibri" pitchFamily="34" charset="0"/>
                 </a:rPr>
-                <a:t>LinkedList</a:t>
-              </a:r>
-              <a:r>
-                <a:rPr lang="en-US" noProof="1" smtClean="0">
-                  <a:latin typeface="Calibri" pitchFamily="34" charset="0"/>
-                </a:rPr>
-                <a:t>$</a:t>
-              </a:r>
-              <a:r>
-                <a:rPr lang="en-US" noProof="1" smtClean="0">
-                  <a:latin typeface="Calibri" pitchFamily="34" charset="0"/>
-                </a:rPr>
-                <a:t>Entry</a:t>
+                <a:t>LinkedList.Entry</a:t>
               </a:r>
               <a:endParaRPr lang="en-US" noProof="1">
                 <a:latin typeface="Calibri" pitchFamily="34" charset="0"/>
@@ -4742,7 +4718,7 @@
           <p:spPr bwMode="auto">
             <a:xfrm>
               <a:off x="5114924" y="4197908"/>
-              <a:ext cx="1727907" cy="369332"/>
+              <a:ext cx="1672253" cy="369332"/>
             </a:xfrm>
             <a:prstGeom prst="rect">
               <a:avLst/>
@@ -4765,19 +4741,7 @@
                 <a:rPr lang="en-US" noProof="1" smtClean="0">
                   <a:latin typeface="Calibri" pitchFamily="34" charset="0"/>
                 </a:rPr>
-                <a:t>LinkedList</a:t>
-              </a:r>
-              <a:r>
-                <a:rPr lang="en-US" noProof="1" smtClean="0">
-                  <a:latin typeface="Calibri" pitchFamily="34" charset="0"/>
-                </a:rPr>
-                <a:t>$</a:t>
-              </a:r>
-              <a:r>
-                <a:rPr lang="en-US" noProof="1" smtClean="0">
-                  <a:latin typeface="Calibri" pitchFamily="34" charset="0"/>
-                </a:rPr>
-                <a:t>Entry</a:t>
+                <a:t>LinkedList.Entry</a:t>
               </a:r>
               <a:endParaRPr lang="en-US" noProof="1">
                 <a:latin typeface="Calibri" pitchFamily="34" charset="0"/>
@@ -4982,7 +4946,7 @@
           <p:spPr bwMode="auto">
             <a:xfrm>
               <a:off x="2487323" y="3349544"/>
-              <a:ext cx="1727907" cy="369332"/>
+              <a:ext cx="1672253" cy="369332"/>
             </a:xfrm>
             <a:prstGeom prst="rect">
               <a:avLst/>
@@ -5005,19 +4969,7 @@
                 <a:rPr lang="en-US" noProof="1" smtClean="0">
                   <a:latin typeface="Calibri" pitchFamily="34" charset="0"/>
                 </a:rPr>
-                <a:t>LinkedList</a:t>
-              </a:r>
-              <a:r>
-                <a:rPr lang="en-US" noProof="1" smtClean="0">
-                  <a:latin typeface="Calibri" pitchFamily="34" charset="0"/>
-                </a:rPr>
-                <a:t>$</a:t>
-              </a:r>
-              <a:r>
-                <a:rPr lang="en-US" noProof="1" smtClean="0">
-                  <a:latin typeface="Calibri" pitchFamily="34" charset="0"/>
-                </a:rPr>
-                <a:t>Entry</a:t>
+                <a:t>LinkedList.Entry</a:t>
               </a:r>
               <a:endParaRPr lang="en-US" noProof="1">
                 <a:latin typeface="Calibri" pitchFamily="34" charset="0"/>
